--- a/Telecom Customer Retention.pptx
+++ b/Telecom Customer Retention.pptx
@@ -728,6 +728,13 @@
           </p:nvPr>
         </p:nvSpPr>
         <p:spPr/>
+        <p:txBody>
+          <a:bodyPr/>
+          <a:lstStyle/>
+          <a:p>
+            <a:endParaRPr lang="en-IN"/>
+          </a:p>
+        </p:txBody>
       </p:sp>
       <p:sp>
         <p:nvSpPr>
@@ -877,6 +884,13 @@
               <a:schemeClr val="lt1"/>
             </a:fontRef>
           </p:style>
+          <p:txBody>
+            <a:bodyPr/>
+            <a:lstStyle/>
+            <a:p>
+              <a:endParaRPr lang="en-IN"/>
+            </a:p>
+          </p:txBody>
         </p:sp>
         <p:cxnSp>
           <p:nvCxnSpPr>
@@ -1014,6 +1028,13 @@
               <a:schemeClr val="lt1"/>
             </a:fontRef>
           </p:style>
+          <p:txBody>
+            <a:bodyPr/>
+            <a:lstStyle/>
+            <a:p>
+              <a:endParaRPr lang="en-IN"/>
+            </a:p>
+          </p:txBody>
         </p:sp>
         <p:sp>
           <p:nvSpPr>
@@ -1077,6 +1098,13 @@
               <a:schemeClr val="lt1"/>
             </a:fontRef>
           </p:style>
+          <p:txBody>
+            <a:bodyPr/>
+            <a:lstStyle/>
+            <a:p>
+              <a:endParaRPr lang="en-IN"/>
+            </a:p>
+          </p:txBody>
         </p:sp>
         <p:sp>
           <p:nvSpPr>
@@ -1119,6 +1147,13 @@
               <a:schemeClr val="lt1"/>
             </a:fontRef>
           </p:style>
+          <p:txBody>
+            <a:bodyPr/>
+            <a:lstStyle/>
+            <a:p>
+              <a:endParaRPr lang="en-IN"/>
+            </a:p>
+          </p:txBody>
         </p:sp>
         <p:sp>
           <p:nvSpPr>
@@ -1183,6 +1218,13 @@
               <a:schemeClr val="lt1"/>
             </a:fontRef>
           </p:style>
+          <p:txBody>
+            <a:bodyPr/>
+            <a:lstStyle/>
+            <a:p>
+              <a:endParaRPr lang="en-IN"/>
+            </a:p>
+          </p:txBody>
         </p:sp>
         <p:sp>
           <p:nvSpPr>
@@ -1246,6 +1288,13 @@
               <a:schemeClr val="lt1"/>
             </a:fontRef>
           </p:style>
+          <p:txBody>
+            <a:bodyPr/>
+            <a:lstStyle/>
+            <a:p>
+              <a:endParaRPr lang="en-IN"/>
+            </a:p>
+          </p:txBody>
         </p:sp>
         <p:sp>
           <p:nvSpPr>
@@ -1310,6 +1359,13 @@
               <a:schemeClr val="lt1"/>
             </a:fontRef>
           </p:style>
+          <p:txBody>
+            <a:bodyPr/>
+            <a:lstStyle/>
+            <a:p>
+              <a:endParaRPr lang="en-IN"/>
+            </a:p>
+          </p:txBody>
         </p:sp>
         <p:sp>
           <p:nvSpPr>
@@ -1352,6 +1408,13 @@
               <a:schemeClr val="lt1"/>
             </a:fontRef>
           </p:style>
+          <p:txBody>
+            <a:bodyPr/>
+            <a:lstStyle/>
+            <a:p>
+              <a:endParaRPr lang="en-IN"/>
+            </a:p>
+          </p:txBody>
         </p:sp>
       </p:grpSp>
       <p:sp>
@@ -8559,6 +8622,13 @@
               <a:schemeClr val="lt1"/>
             </a:fontRef>
           </p:style>
+          <p:txBody>
+            <a:bodyPr/>
+            <a:lstStyle/>
+            <a:p>
+              <a:endParaRPr lang="en-IN"/>
+            </a:p>
+          </p:txBody>
         </p:sp>
         <p:sp>
           <p:nvSpPr>
@@ -8622,6 +8692,13 @@
               <a:schemeClr val="lt1"/>
             </a:fontRef>
           </p:style>
+          <p:txBody>
+            <a:bodyPr/>
+            <a:lstStyle/>
+            <a:p>
+              <a:endParaRPr lang="en-IN"/>
+            </a:p>
+          </p:txBody>
         </p:sp>
         <p:sp>
           <p:nvSpPr>
@@ -8664,6 +8741,13 @@
               <a:schemeClr val="lt1"/>
             </a:fontRef>
           </p:style>
+          <p:txBody>
+            <a:bodyPr/>
+            <a:lstStyle/>
+            <a:p>
+              <a:endParaRPr lang="en-IN"/>
+            </a:p>
+          </p:txBody>
         </p:sp>
         <p:sp>
           <p:nvSpPr>
@@ -8728,6 +8812,13 @@
               <a:schemeClr val="lt1"/>
             </a:fontRef>
           </p:style>
+          <p:txBody>
+            <a:bodyPr/>
+            <a:lstStyle/>
+            <a:p>
+              <a:endParaRPr lang="en-IN"/>
+            </a:p>
+          </p:txBody>
         </p:sp>
         <p:sp>
           <p:nvSpPr>
@@ -8791,6 +8882,13 @@
               <a:schemeClr val="lt1"/>
             </a:fontRef>
           </p:style>
+          <p:txBody>
+            <a:bodyPr/>
+            <a:lstStyle/>
+            <a:p>
+              <a:endParaRPr lang="en-IN"/>
+            </a:p>
+          </p:txBody>
         </p:sp>
         <p:sp>
           <p:nvSpPr>
@@ -8855,6 +8953,13 @@
               <a:schemeClr val="lt1"/>
             </a:fontRef>
           </p:style>
+          <p:txBody>
+            <a:bodyPr/>
+            <a:lstStyle/>
+            <a:p>
+              <a:endParaRPr lang="en-IN"/>
+            </a:p>
+          </p:txBody>
         </p:sp>
         <p:sp>
           <p:nvSpPr>
@@ -8897,6 +9002,13 @@
               <a:schemeClr val="lt1"/>
             </a:fontRef>
           </p:style>
+          <p:txBody>
+            <a:bodyPr/>
+            <a:lstStyle/>
+            <a:p>
+              <a:endParaRPr lang="en-IN"/>
+            </a:p>
+          </p:txBody>
         </p:sp>
         <p:sp>
           <p:nvSpPr>
@@ -8938,6 +9050,13 @@
               <a:schemeClr val="lt1"/>
             </a:fontRef>
           </p:style>
+          <p:txBody>
+            <a:bodyPr/>
+            <a:lstStyle/>
+            <a:p>
+              <a:endParaRPr lang="en-IN"/>
+            </a:p>
+          </p:txBody>
         </p:sp>
       </p:grpSp>
       <p:sp>
@@ -15719,17 +15838,20 @@
         </p:nvSpPr>
         <p:spPr>
           <a:xfrm>
-            <a:off x="2975013" y="3962573"/>
-            <a:ext cx="2139696" cy="344312"/>
+            <a:off x="2433443" y="2079351"/>
+            <a:ext cx="6868234" cy="834102"/>
           </a:xfrm>
         </p:spPr>
         <p:txBody>
           <a:bodyPr>
-            <a:normAutofit fontScale="92500" lnSpcReduction="20000"/>
+            <a:normAutofit/>
           </a:bodyPr>
           <a:lstStyle/>
           <a:p>
-            <a:endParaRPr lang="en-IN" dirty="0"/>
+            <a:r>
+              <a:rPr lang="en-IN" dirty="0"/>
+              <a:t>Git Hub Link: https://github.com/Rehaan0745/Telecom-Cust-Retention</a:t>
+            </a:r>
           </a:p>
         </p:txBody>
       </p:sp>
@@ -17220,15 +17342,6 @@
 </file>
 
 <file path=customXml/item1.xml><?xml version="1.0" encoding="utf-8"?>
-<?mso-contentType ?>
-<FormTemplates xmlns="http://schemas.microsoft.com/sharepoint/v3/contenttype/forms">
-  <Display>DocumentLibraryForm</Display>
-  <Edit>DocumentLibraryForm</Edit>
-  <New>DocumentLibraryForm</New>
-</FormTemplates>
-</file>
-
-<file path=customXml/item2.xml><?xml version="1.0" encoding="utf-8"?>
 <ct:contentTypeSchema xmlns:ct="http://schemas.microsoft.com/office/2006/metadata/contentType" xmlns:ma="http://schemas.microsoft.com/office/2006/metadata/properties/metaAttributes" ct:_="" ma:_="" ma:contentTypeName="Document" ma:contentTypeID="0x01010079F111ED35F8CC479449609E8A0923A6" ma:contentTypeVersion="12" ma:contentTypeDescription="Create a new document." ma:contentTypeScope="" ma:versionID="426e97fa315356fffbdcd9876fe988c2">
   <xsd:schema xmlns:xsd="http://www.w3.org/2001/XMLSchema" xmlns:xs="http://www.w3.org/2001/XMLSchema" xmlns:p="http://schemas.microsoft.com/office/2006/metadata/properties" xmlns:ns2="71af3243-3dd4-4a8d-8c0d-dd76da1f02a5" xmlns:ns3="16c05727-aa75-4e4a-9b5f-8a80a1165891" targetNamespace="http://schemas.microsoft.com/office/2006/metadata/properties" ma:root="true" ma:fieldsID="14b8f0def80e6d70ce3def20c90759ae" ns2:_="" ns3:_="">
     <xsd:import namespace="71af3243-3dd4-4a8d-8c0d-dd76da1f02a5"/>
@@ -17449,6 +17562,15 @@
 </ct:contentTypeSchema>
 </file>
 
+<file path=customXml/item2.xml><?xml version="1.0" encoding="utf-8"?>
+<?mso-contentType ?>
+<FormTemplates xmlns="http://schemas.microsoft.com/sharepoint/v3/contenttype/forms">
+  <Display>DocumentLibraryForm</Display>
+  <Edit>DocumentLibraryForm</Edit>
+  <New>DocumentLibraryForm</New>
+</FormTemplates>
+</file>
+
 <file path=customXml/item3.xml><?xml version="1.0" encoding="utf-8"?>
 <p:properties xmlns:p="http://schemas.microsoft.com/office/2006/metadata/properties" xmlns:xsi="http://www.w3.org/2001/XMLSchema-instance" xmlns:pc="http://schemas.microsoft.com/office/infopath/2007/PartnerControls">
   <documentManagement>
@@ -17459,14 +17581,6 @@
 </file>
 
 <file path=customXml/itemProps1.xml><?xml version="1.0" encoding="utf-8"?>
-<ds:datastoreItem xmlns:ds="http://schemas.openxmlformats.org/officeDocument/2006/customXml" ds:itemID="{05D99ABA-76CE-4A8E-B5F0-C051B96628DE}">
-  <ds:schemaRefs>
-    <ds:schemaRef ds:uri="http://schemas.microsoft.com/sharepoint/v3/contenttype/forms"/>
-  </ds:schemaRefs>
-</ds:datastoreItem>
-</file>
-
-<file path=customXml/itemProps2.xml><?xml version="1.0" encoding="utf-8"?>
 <ds:datastoreItem xmlns:ds="http://schemas.openxmlformats.org/officeDocument/2006/customXml" ds:itemID="{B19EB750-A6DA-4BE8-B87B-FC499FE73360}">
   <ds:schemaRefs>
     <ds:schemaRef ds:uri="http://schemas.microsoft.com/office/2006/metadata/contentType"/>
@@ -17485,6 +17599,14 @@
 </ds:datastoreItem>
 </file>
 
+<file path=customXml/itemProps2.xml><?xml version="1.0" encoding="utf-8"?>
+<ds:datastoreItem xmlns:ds="http://schemas.openxmlformats.org/officeDocument/2006/customXml" ds:itemID="{05D99ABA-76CE-4A8E-B5F0-C051B96628DE}">
+  <ds:schemaRefs>
+    <ds:schemaRef ds:uri="http://schemas.microsoft.com/sharepoint/v3/contenttype/forms"/>
+  </ds:schemaRefs>
+</ds:datastoreItem>
+</file>
+
 <file path=customXml/itemProps3.xml><?xml version="1.0" encoding="utf-8"?>
 <ds:datastoreItem xmlns:ds="http://schemas.openxmlformats.org/officeDocument/2006/customXml" ds:itemID="{4DEA9014-ED64-4558-B1E1-D03F0EE32BEB}">
   <ds:schemaRefs>
